--- a/Debugging.pptx
+++ b/Debugging.pptx
@@ -25,6 +25,7 @@
     <p:sldId id="273" r:id="rId19"/>
     <p:sldId id="274" r:id="rId20"/>
     <p:sldId id="275" r:id="rId21"/>
+    <p:sldId id="276" r:id="rId22"/>
   </p:sldIdLst>
   <p:sldSz cx="12192000" cy="6858000"/>
   <p:notesSz cx="6858000" cy="9144000"/>
@@ -925,7 +926,7 @@
           <a:p>
             <a:fld id="{EF357474-97CF-475B-973B-A97F00246249}" type="datetimeFigureOut">
               <a:rPr lang="en-US" smtClean="0"/>
-              <a:t>4/17/2023</a:t>
+              <a:t>4/28/2023</a:t>
             </a:fld>
             <a:endParaRPr lang="en-US"/>
           </a:p>
@@ -1259,7 +1260,7 @@
           <a:p>
             <a:fld id="{EF357474-97CF-475B-973B-A97F00246249}" type="datetimeFigureOut">
               <a:rPr lang="en-US" smtClean="0"/>
-              <a:t>4/17/2023</a:t>
+              <a:t>4/28/2023</a:t>
             </a:fld>
             <a:endParaRPr lang="en-US"/>
           </a:p>
@@ -1537,7 +1538,7 @@
           <a:p>
             <a:fld id="{EF357474-97CF-475B-973B-A97F00246249}" type="datetimeFigureOut">
               <a:rPr lang="en-US" smtClean="0"/>
-              <a:t>4/17/2023</a:t>
+              <a:t>4/28/2023</a:t>
             </a:fld>
             <a:endParaRPr lang="en-US"/>
           </a:p>
@@ -2105,7 +2106,7 @@
           <a:p>
             <a:fld id="{EF357474-97CF-475B-973B-A97F00246249}" type="datetimeFigureOut">
               <a:rPr lang="en-US" smtClean="0"/>
-              <a:t>4/17/2023</a:t>
+              <a:t>4/28/2023</a:t>
             </a:fld>
             <a:endParaRPr lang="en-US"/>
           </a:p>
@@ -2383,7 +2384,7 @@
           <a:p>
             <a:fld id="{EF357474-97CF-475B-973B-A97F00246249}" type="datetimeFigureOut">
               <a:rPr lang="en-US" smtClean="0"/>
-              <a:t>4/17/2023</a:t>
+              <a:t>4/28/2023</a:t>
             </a:fld>
             <a:endParaRPr lang="en-US"/>
           </a:p>
@@ -2945,7 +2946,7 @@
           <a:p>
             <a:fld id="{EF357474-97CF-475B-973B-A97F00246249}" type="datetimeFigureOut">
               <a:rPr lang="en-US" smtClean="0"/>
-              <a:t>4/17/2023</a:t>
+              <a:t>4/28/2023</a:t>
             </a:fld>
             <a:endParaRPr lang="en-US"/>
           </a:p>
@@ -3272,7 +3273,7 @@
           <a:p>
             <a:fld id="{EF357474-97CF-475B-973B-A97F00246249}" type="datetimeFigureOut">
               <a:rPr lang="en-US" smtClean="0"/>
-              <a:t>4/17/2023</a:t>
+              <a:t>4/28/2023</a:t>
             </a:fld>
             <a:endParaRPr lang="en-US"/>
           </a:p>
@@ -3449,7 +3450,7 @@
           <a:p>
             <a:fld id="{EF357474-97CF-475B-973B-A97F00246249}" type="datetimeFigureOut">
               <a:rPr lang="en-US" smtClean="0"/>
-              <a:t>4/17/2023</a:t>
+              <a:t>4/28/2023</a:t>
             </a:fld>
             <a:endParaRPr lang="en-US"/>
           </a:p>
@@ -3687,7 +3688,7 @@
           <a:p>
             <a:fld id="{EF357474-97CF-475B-973B-A97F00246249}" type="datetimeFigureOut">
               <a:rPr lang="en-US" smtClean="0"/>
-              <a:t>4/17/2023</a:t>
+              <a:t>4/28/2023</a:t>
             </a:fld>
             <a:endParaRPr lang="en-US"/>
           </a:p>
@@ -3887,7 +3888,7 @@
           <a:p>
             <a:fld id="{EF357474-97CF-475B-973B-A97F00246249}" type="datetimeFigureOut">
               <a:rPr lang="en-US" smtClean="0"/>
-              <a:t>4/17/2023</a:t>
+              <a:t>4/28/2023</a:t>
             </a:fld>
             <a:endParaRPr lang="en-US"/>
           </a:p>
@@ -4163,7 +4164,7 @@
           <a:p>
             <a:fld id="{EF357474-97CF-475B-973B-A97F00246249}" type="datetimeFigureOut">
               <a:rPr lang="en-US" smtClean="0"/>
-              <a:t>4/17/2023</a:t>
+              <a:t>4/28/2023</a:t>
             </a:fld>
             <a:endParaRPr lang="en-US"/>
           </a:p>
@@ -4429,7 +4430,7 @@
           <a:p>
             <a:fld id="{EF357474-97CF-475B-973B-A97F00246249}" type="datetimeFigureOut">
               <a:rPr lang="en-US" smtClean="0"/>
-              <a:t>4/17/2023</a:t>
+              <a:t>4/28/2023</a:t>
             </a:fld>
             <a:endParaRPr lang="en-US"/>
           </a:p>
@@ -4803,7 +4804,7 @@
           <a:p>
             <a:fld id="{EF357474-97CF-475B-973B-A97F00246249}" type="datetimeFigureOut">
               <a:rPr lang="en-US" smtClean="0"/>
-              <a:t>4/17/2023</a:t>
+              <a:t>4/28/2023</a:t>
             </a:fld>
             <a:endParaRPr lang="en-US"/>
           </a:p>
@@ -4951,7 +4952,7 @@
           <a:p>
             <a:fld id="{EF357474-97CF-475B-973B-A97F00246249}" type="datetimeFigureOut">
               <a:rPr lang="en-US" smtClean="0"/>
-              <a:t>4/17/2023</a:t>
+              <a:t>4/28/2023</a:t>
             </a:fld>
             <a:endParaRPr lang="en-US"/>
           </a:p>
@@ -5076,7 +5077,7 @@
           <a:p>
             <a:fld id="{EF357474-97CF-475B-973B-A97F00246249}" type="datetimeFigureOut">
               <a:rPr lang="en-US" smtClean="0"/>
-              <a:t>4/17/2023</a:t>
+              <a:t>4/28/2023</a:t>
             </a:fld>
             <a:endParaRPr lang="en-US"/>
           </a:p>
@@ -5361,7 +5362,7 @@
           <a:p>
             <a:fld id="{EF357474-97CF-475B-973B-A97F00246249}" type="datetimeFigureOut">
               <a:rPr lang="en-US" smtClean="0"/>
-              <a:t>4/17/2023</a:t>
+              <a:t>4/28/2023</a:t>
             </a:fld>
             <a:endParaRPr lang="en-US"/>
           </a:p>
@@ -5685,7 +5686,7 @@
           <a:p>
             <a:fld id="{EF357474-97CF-475B-973B-A97F00246249}" type="datetimeFigureOut">
               <a:rPr lang="en-US" smtClean="0"/>
-              <a:t>4/17/2023</a:t>
+              <a:t>4/28/2023</a:t>
             </a:fld>
             <a:endParaRPr lang="en-US"/>
           </a:p>
@@ -5899,7 +5900,7 @@
           <a:p>
             <a:fld id="{EF357474-97CF-475B-973B-A97F00246249}" type="datetimeFigureOut">
               <a:rPr lang="en-US" smtClean="0"/>
-              <a:t>4/17/2023</a:t>
+              <a:t>4/28/2023</a:t>
             </a:fld>
             <a:endParaRPr lang="en-US"/>
           </a:p>
@@ -8211,6 +8212,162 @@
 </p:sld>
 </file>
 
+<file path=ppt/slides/slide21.xml><?xml version="1.0" encoding="utf-8"?>
+<p:sld xmlns:a="http://schemas.openxmlformats.org/drawingml/2006/main" xmlns:r="http://schemas.openxmlformats.org/officeDocument/2006/relationships" xmlns:p="http://schemas.openxmlformats.org/presentationml/2006/main">
+  <p:cSld>
+    <p:spTree>
+      <p:nvGrpSpPr>
+        <p:cNvPr id="1" name=""/>
+        <p:cNvGrpSpPr/>
+        <p:nvPr/>
+      </p:nvGrpSpPr>
+      <p:grpSpPr>
+        <a:xfrm>
+          <a:off x="0" y="0"/>
+          <a:ext cx="0" cy="0"/>
+          <a:chOff x="0" y="0"/>
+          <a:chExt cx="0" cy="0"/>
+        </a:xfrm>
+      </p:grpSpPr>
+      <p:sp>
+        <p:nvSpPr>
+          <p:cNvPr id="2" name="Title 1">
+            <a:extLst>
+              <a:ext uri="{FF2B5EF4-FFF2-40B4-BE49-F238E27FC236}">
+                <a16:creationId xmlns:a16="http://schemas.microsoft.com/office/drawing/2014/main" id="{5EEE7C6F-13D7-3D6E-0A07-FDE5703CA0A8}"/>
+              </a:ext>
+            </a:extLst>
+          </p:cNvPr>
+          <p:cNvSpPr>
+            <a:spLocks noGrp="1"/>
+          </p:cNvSpPr>
+          <p:nvPr>
+            <p:ph type="title"/>
+          </p:nvPr>
+        </p:nvSpPr>
+        <p:spPr>
+          <a:xfrm>
+            <a:off x="741949" y="344905"/>
+            <a:ext cx="10131425" cy="926878"/>
+          </a:xfrm>
+        </p:spPr>
+        <p:txBody>
+          <a:bodyPr/>
+          <a:lstStyle/>
+          <a:p>
+            <a:r>
+              <a:rPr lang="en-US" dirty="0"/>
+              <a:t>demo</a:t>
+            </a:r>
+          </a:p>
+        </p:txBody>
+      </p:sp>
+      <p:sp>
+        <p:nvSpPr>
+          <p:cNvPr id="3" name="Content Placeholder 2">
+            <a:extLst>
+              <a:ext uri="{FF2B5EF4-FFF2-40B4-BE49-F238E27FC236}">
+                <a16:creationId xmlns:a16="http://schemas.microsoft.com/office/drawing/2014/main" id="{2F1E6865-A424-E061-F16E-CF8AF11B768B}"/>
+              </a:ext>
+            </a:extLst>
+          </p:cNvPr>
+          <p:cNvSpPr>
+            <a:spLocks noGrp="1"/>
+          </p:cNvSpPr>
+          <p:nvPr>
+            <p:ph idx="1"/>
+          </p:nvPr>
+        </p:nvSpPr>
+        <p:spPr>
+          <a:xfrm>
+            <a:off x="741949" y="1098884"/>
+            <a:ext cx="10131425" cy="3344779"/>
+          </a:xfrm>
+        </p:spPr>
+        <p:txBody>
+          <a:bodyPr/>
+          <a:lstStyle/>
+          <a:p>
+            <a:pPr marL="342900" indent="-342900">
+              <a:buAutoNum type="arabicPeriod"/>
+            </a:pPr>
+            <a:r>
+              <a:rPr lang="en-US" dirty="0"/>
+              <a:t>Syntax Error</a:t>
+            </a:r>
+          </a:p>
+          <a:p>
+            <a:pPr marL="342900" indent="-342900">
+              <a:buAutoNum type="arabicPeriod"/>
+            </a:pPr>
+            <a:r>
+              <a:rPr lang="en-US" dirty="0"/>
+              <a:t>Execution Error</a:t>
+            </a:r>
+          </a:p>
+          <a:p>
+            <a:pPr marL="342900" indent="-342900">
+              <a:buAutoNum type="arabicPeriod"/>
+            </a:pPr>
+            <a:r>
+              <a:rPr lang="en-US" dirty="0"/>
+              <a:t>Logical Error</a:t>
+            </a:r>
+          </a:p>
+          <a:p>
+            <a:pPr marL="0" indent="0">
+              <a:buNone/>
+            </a:pPr>
+            <a:r>
+              <a:rPr lang="en-US" dirty="0"/>
+              <a:t>	</a:t>
+            </a:r>
+          </a:p>
+        </p:txBody>
+      </p:sp>
+      <p:pic>
+        <p:nvPicPr>
+          <p:cNvPr id="5" name="Picture 4">
+            <a:extLst>
+              <a:ext uri="{FF2B5EF4-FFF2-40B4-BE49-F238E27FC236}">
+                <a16:creationId xmlns:a16="http://schemas.microsoft.com/office/drawing/2014/main" id="{98667439-A85F-17B6-3162-8B2D3C115E37}"/>
+              </a:ext>
+            </a:extLst>
+          </p:cNvPr>
+          <p:cNvPicPr>
+            <a:picLocks noChangeAspect="1"/>
+          </p:cNvPicPr>
+          <p:nvPr/>
+        </p:nvPicPr>
+        <p:blipFill>
+          <a:blip r:embed="rId2"/>
+          <a:stretch>
+            <a:fillRect/>
+          </a:stretch>
+        </p:blipFill>
+        <p:spPr>
+          <a:xfrm>
+            <a:off x="1165728" y="3186202"/>
+            <a:ext cx="5349704" cy="1867062"/>
+          </a:xfrm>
+          <a:prstGeom prst="rect">
+            <a:avLst/>
+          </a:prstGeom>
+        </p:spPr>
+      </p:pic>
+    </p:spTree>
+    <p:extLst>
+      <p:ext uri="{BB962C8B-B14F-4D97-AF65-F5344CB8AC3E}">
+        <p14:creationId xmlns:p14="http://schemas.microsoft.com/office/powerpoint/2010/main" val="1518223181"/>
+      </p:ext>
+    </p:extLst>
+  </p:cSld>
+  <p:clrMapOvr>
+    <a:masterClrMapping/>
+  </p:clrMapOvr>
+</p:sld>
+</file>
+
 <file path=ppt/slides/slide3.xml><?xml version="1.0" encoding="utf-8"?>
 <p:sld xmlns:a="http://schemas.openxmlformats.org/drawingml/2006/main" xmlns:r="http://schemas.openxmlformats.org/officeDocument/2006/relationships" xmlns:p="http://schemas.openxmlformats.org/presentationml/2006/main">
   <p:cSld>
